--- a/Unit07/Chad_Madding_Unit 7 For Live Session.pptx
+++ b/Unit07/Chad_Madding_Unit 7 For Live Session.pptx
@@ -225,7 +225,7 @@
           <a:p>
             <a:fld id="{F91415B4-81E4-4AC4-90AB-397CCE382C1C}" type="datetimeFigureOut">
               <a:rPr lang="en-US" smtClean="0"/>
-              <a:t>2/15/2020</a:t>
+              <a:t>2/18/2020</a:t>
             </a:fld>
             <a:endParaRPr lang="en-US"/>
           </a:p>
@@ -637,7 +637,7 @@
           <a:p>
             <a:fld id="{1D8BD707-D9CF-40AE-B4C6-C98DA3205C09}" type="datetimeFigureOut">
               <a:rPr lang="en-US"/>
-              <a:t>2/15/2020</a:t>
+              <a:t>2/18/2020</a:t>
             </a:fld>
             <a:endParaRPr lang="en-US"/>
           </a:p>
@@ -814,7 +814,7 @@
           <a:p>
             <a:fld id="{1D8BD707-D9CF-40AE-B4C6-C98DA3205C09}" type="datetimeFigureOut">
               <a:rPr lang="en-US"/>
-              <a:t>2/15/2020</a:t>
+              <a:t>2/18/2020</a:t>
             </a:fld>
             <a:endParaRPr lang="en-US"/>
           </a:p>
@@ -1028,7 +1028,7 @@
           <a:p>
             <a:fld id="{1D8BD707-D9CF-40AE-B4C6-C98DA3205C09}" type="datetimeFigureOut">
               <a:rPr lang="en-US"/>
-              <a:t>2/15/2020</a:t>
+              <a:t>2/18/2020</a:t>
             </a:fld>
             <a:endParaRPr lang="en-US"/>
           </a:p>
@@ -1176,7 +1176,7 @@
           <a:p>
             <a:fld id="{1D8BD707-D9CF-40AE-B4C6-C98DA3205C09}" type="datetimeFigureOut">
               <a:rPr lang="en-US"/>
-              <a:t>2/15/2020</a:t>
+              <a:t>2/18/2020</a:t>
             </a:fld>
             <a:endParaRPr lang="en-US"/>
           </a:p>
@@ -1295,7 +1295,7 @@
           <a:p>
             <a:fld id="{1D8BD707-D9CF-40AE-B4C6-C98DA3205C09}" type="datetimeFigureOut">
               <a:rPr lang="en-US"/>
-              <a:t>2/15/2020</a:t>
+              <a:t>2/18/2020</a:t>
             </a:fld>
             <a:endParaRPr lang="en-US"/>
           </a:p>
@@ -1612,7 +1612,7 @@
           <a:p>
             <a:fld id="{1D8BD707-D9CF-40AE-B4C6-C98DA3205C09}" type="datetimeFigureOut">
               <a:rPr lang="en-US"/>
-              <a:t>2/15/2020</a:t>
+              <a:t>2/18/2020</a:t>
             </a:fld>
             <a:endParaRPr lang="en-US"/>
           </a:p>
@@ -2365,8 +2365,8 @@
         </p:nvSpPr>
         <p:spPr>
           <a:xfrm>
-            <a:off x="565435" y="454223"/>
-            <a:ext cx="8013129" cy="1846659"/>
+            <a:off x="228600" y="451479"/>
+            <a:ext cx="8546529" cy="1846659"/>
           </a:xfrm>
         </p:spPr>
         <p:txBody>
@@ -2459,15 +2459,15 @@
         </p:nvSpPr>
         <p:spPr>
           <a:xfrm>
-            <a:off x="7096068" y="2067580"/>
-            <a:ext cx="2047932" cy="523220"/>
+            <a:off x="4876800" y="3883223"/>
+            <a:ext cx="4057176" cy="307777"/>
           </a:xfrm>
           <a:prstGeom prst="rect">
             <a:avLst/>
           </a:prstGeom>
         </p:spPr>
         <p:txBody>
-          <a:bodyPr wrap="none">
+          <a:bodyPr wrap="square">
             <a:spAutoFit/>
           </a:bodyPr>
           <a:lstStyle/>
@@ -2479,22 +2479,7 @@
                   <a:srgbClr val="FFFF00"/>
                 </a:highlight>
               </a:rPr>
-              <a:t>The first eight forecasts</a:t>
-            </a:r>
-            <a:br>
-              <a:rPr lang="en-US" sz="1400" dirty="0">
-                <a:highlight>
-                  <a:srgbClr val="FFFF00"/>
-                </a:highlight>
-              </a:rPr>
-            </a:br>
-            <a:r>
-              <a:rPr lang="en-US" sz="1400" dirty="0">
-                <a:highlight>
-                  <a:srgbClr val="FFFF00"/>
-                </a:highlight>
-              </a:rPr>
-              <a:t>with probability intervals </a:t>
+              <a:t>The first eight forecasts with probability intervals </a:t>
             </a:r>
           </a:p>
         </p:txBody>
@@ -2514,7 +2499,7 @@
         <p:spPr>
           <a:xfrm>
             <a:off x="57624" y="2667000"/>
-            <a:ext cx="7257576" cy="3046988"/>
+            <a:ext cx="5733576" cy="3231654"/>
           </a:xfrm>
           <a:prstGeom prst="rect">
             <a:avLst/>
@@ -2527,184 +2512,208 @@
           <a:lstStyle/>
           <a:p>
             <a:r>
-              <a:rPr lang="en-US" sz="1600" dirty="0"/>
-              <a:t>psi=</a:t>
-            </a:r>
-            <a:r>
-              <a:rPr lang="en-US" sz="1600" dirty="0" err="1"/>
-              <a:t>psi.weights.wge</a:t>
-            </a:r>
-            <a:r>
-              <a:rPr lang="en-US" sz="1600" dirty="0"/>
-              <a:t>(phi = c(-.9,-.8), </a:t>
-            </a:r>
-            <a:r>
-              <a:rPr lang="en-US" sz="1600" dirty="0" err="1"/>
-              <a:t>lag.max</a:t>
-            </a:r>
-            <a:r>
-              <a:rPr lang="en-US" sz="1600" dirty="0"/>
-              <a:t> = 5)</a:t>
-            </a:r>
-          </a:p>
-          <a:p>
-            <a:r>
-              <a:rPr lang="en-US" sz="1600" dirty="0"/>
-              <a:t>psi</a:t>
-            </a:r>
-          </a:p>
-          <a:p>
-            <a:r>
-              <a:rPr lang="en-US" sz="1600" dirty="0"/>
-              <a:t>#</a:t>
-            </a:r>
-            <a:r>
-              <a:rPr lang="en-US" sz="1600" dirty="0">
+              <a:rPr lang="en-US" sz="1200" dirty="0"/>
+              <a:t>x = c(5, 8, 9, 8, 7, 6, 4, 3)</a:t>
+            </a:r>
+          </a:p>
+          <a:p>
+            <a:r>
+              <a:rPr lang="en-US" sz="1200" dirty="0"/>
+              <a:t>#So the real formula is:</a:t>
+            </a:r>
+          </a:p>
+          <a:p>
+            <a:r>
+              <a:rPr lang="en-US" sz="1200" dirty="0"/>
+              <a:t>#(1-1.7B+0.72B^2)</a:t>
+            </a:r>
+            <a:r>
+              <a:rPr lang="en-US" sz="1200" dirty="0" err="1"/>
+              <a:t>X_t</a:t>
+            </a:r>
+            <a:r>
+              <a:rPr lang="en-US" sz="1200" dirty="0"/>
+              <a:t> = </a:t>
+            </a:r>
+            <a:r>
+              <a:rPr lang="en-US" sz="1200" dirty="0" err="1"/>
+              <a:t>a_t</a:t>
+            </a:r>
+            <a:endParaRPr lang="en-US" sz="1200" dirty="0"/>
+          </a:p>
+          <a:p>
+            <a:r>
+              <a:rPr lang="en-US" sz="1200" dirty="0" err="1"/>
+              <a:t>mult.wge</a:t>
+            </a:r>
+            <a:r>
+              <a:rPr lang="en-US" sz="1200" dirty="0"/>
+              <a:t>(fac1 = -.9, fac2 = -.8)</a:t>
+            </a:r>
+          </a:p>
+          <a:p>
+            <a:r>
+              <a:rPr lang="en-US" sz="1200" dirty="0"/>
+              <a:t>#phi = c(1.7, -.72) needed </a:t>
+            </a:r>
+            <a:r>
+              <a:rPr lang="en-US" sz="1200" dirty="0" err="1"/>
+              <a:t>mupliti</a:t>
+            </a:r>
+            <a:r>
+              <a:rPr lang="en-US" sz="1200" dirty="0"/>
+              <a:t> the B's</a:t>
+            </a:r>
+          </a:p>
+          <a:p>
+            <a:r>
+              <a:rPr lang="en-US" sz="1200" dirty="0"/>
+              <a:t>live2=</a:t>
+            </a:r>
+            <a:r>
+              <a:rPr lang="en-US" sz="1200" dirty="0" err="1"/>
+              <a:t>fore.arma.wge</a:t>
+            </a:r>
+            <a:r>
+              <a:rPr lang="en-US" sz="1200" dirty="0"/>
+              <a:t>(</a:t>
+            </a:r>
+            <a:r>
+              <a:rPr lang="en-US" sz="1200" dirty="0" err="1"/>
+              <a:t>x,phi</a:t>
+            </a:r>
+            <a:r>
+              <a:rPr lang="en-US" sz="1200" dirty="0"/>
+              <a:t> = c(1.7, -.72), theta = 0,n.ahead = 8,limits=T, </a:t>
+            </a:r>
+            <a:r>
+              <a:rPr lang="en-US" sz="1200" dirty="0" err="1"/>
+              <a:t>lastn</a:t>
+            </a:r>
+            <a:r>
+              <a:rPr lang="en-US" sz="1200" dirty="0"/>
+              <a:t> = F)</a:t>
+            </a:r>
+          </a:p>
+          <a:p>
+            <a:r>
+              <a:rPr lang="en-US" sz="1200" dirty="0"/>
+              <a:t>#Find the first 5 psi weights</a:t>
+            </a:r>
+          </a:p>
+          <a:p>
+            <a:r>
+              <a:rPr lang="en-US" sz="1200" dirty="0"/>
+              <a:t>live2$psi[1:5]</a:t>
+            </a:r>
+          </a:p>
+          <a:p>
+            <a:r>
+              <a:rPr lang="en-US" sz="1200" dirty="0"/>
+              <a:t>#First 5 psi weights: </a:t>
+            </a:r>
+            <a:r>
+              <a:rPr lang="en-US" sz="1200" dirty="0">
                 <a:highlight>
                   <a:srgbClr val="FFFF00"/>
                 </a:highlight>
               </a:rPr>
-              <a:t>First 5 psi weights: -0.90000  0.01000  0.71100 -0.64790  0.01431</a:t>
-            </a:r>
-          </a:p>
-          <a:p>
-            <a:r>
-              <a:rPr lang="en-US" sz="1600" dirty="0"/>
-              <a:t>live2=</a:t>
-            </a:r>
-            <a:r>
-              <a:rPr lang="en-US" sz="1600" dirty="0" err="1"/>
-              <a:t>gen.arma.wge</a:t>
-            </a:r>
-            <a:r>
-              <a:rPr lang="en-US" sz="1600" dirty="0"/>
-              <a:t>(n=100,phi=c(-.9,-.8))</a:t>
-            </a:r>
-          </a:p>
-          <a:p>
-            <a:r>
-              <a:rPr lang="en-US" sz="1600" dirty="0"/>
-              <a:t>#get the white noise variance from the aic information on the live2 data.</a:t>
-            </a:r>
-          </a:p>
-          <a:p>
-            <a:r>
-              <a:rPr lang="en-US" sz="1600" dirty="0"/>
-              <a:t>live2aic=</a:t>
-            </a:r>
-            <a:r>
-              <a:rPr lang="en-US" sz="1600" dirty="0" err="1"/>
-              <a:t>aic.wge</a:t>
-            </a:r>
-            <a:r>
-              <a:rPr lang="en-US" sz="1600" dirty="0"/>
-              <a:t>(live2)</a:t>
-            </a:r>
-          </a:p>
-          <a:p>
-            <a:r>
-              <a:rPr lang="en-US" sz="1600" dirty="0"/>
-              <a:t>live2aic$vara</a:t>
-            </a:r>
-          </a:p>
-          <a:p>
-            <a:r>
-              <a:rPr lang="en-US" sz="1600" dirty="0"/>
-              <a:t>#</a:t>
-            </a:r>
-            <a:r>
-              <a:rPr lang="en-US" sz="1600" dirty="0">
+              <a:t>1.70000 2.17000 2.46500 2.62810 2.69297</a:t>
+            </a:r>
+          </a:p>
+          <a:p>
+            <a:r>
+              <a:rPr lang="en-US" sz="1200" dirty="0"/>
+              <a:t>#Provide white noise variance.</a:t>
+            </a:r>
+          </a:p>
+          <a:p>
+            <a:r>
+              <a:rPr lang="en-US" sz="1200" dirty="0"/>
+              <a:t>live2$wnv</a:t>
+            </a:r>
+          </a:p>
+          <a:p>
+            <a:r>
+              <a:rPr lang="en-US" sz="1200" dirty="0"/>
+              <a:t>#White Noise Variance = </a:t>
+            </a:r>
+            <a:r>
+              <a:rPr lang="en-US" sz="1200" dirty="0">
                 <a:highlight>
                   <a:srgbClr val="FFFF00"/>
                 </a:highlight>
               </a:rPr>
-              <a:t>White Noise Variance = 0.733172</a:t>
-            </a:r>
-          </a:p>
-          <a:p>
-            <a:r>
-              <a:rPr lang="en-US" sz="1600" dirty="0"/>
+              <a:t>0.9958917</a:t>
+            </a:r>
+          </a:p>
+          <a:p>
+            <a:r>
+              <a:rPr lang="en-US" sz="1200" dirty="0"/>
               <a:t>#half width third forecast (</a:t>
             </a:r>
             <a:r>
-              <a:rPr lang="en-US" sz="1600" dirty="0" err="1"/>
+              <a:rPr lang="en-US" sz="1200" dirty="0" err="1"/>
               <a:t>Xhat</a:t>
             </a:r>
             <a:r>
-              <a:rPr lang="en-US" sz="1600" dirty="0"/>
+              <a:rPr lang="en-US" sz="1200" dirty="0"/>
               <a:t>(3))</a:t>
             </a:r>
           </a:p>
           <a:p>
             <a:r>
-              <a:rPr lang="en-US" sz="1600" dirty="0"/>
-              <a:t>(1.96*live2aic$vara)*sqrt(1^2 + (psi[1])^2 + (psi[2])^2+ (psi[3])^2)</a:t>
-            </a:r>
-          </a:p>
-          <a:p>
-            <a:r>
-              <a:rPr lang="en-US" sz="1600" dirty="0"/>
-              <a:t>#</a:t>
-            </a:r>
-            <a:r>
-              <a:rPr lang="en-US" sz="1600" dirty="0">
+              <a:rPr lang="en-US" sz="1200" dirty="0"/>
+              <a:t>(1.96*live2$wnv)*sqrt(1 + (live2$psi[1])^2 + (live2$psi[2])^2)</a:t>
+            </a:r>
+          </a:p>
+          <a:p>
+            <a:r>
+              <a:rPr lang="en-US" sz="1200" dirty="0"/>
+              <a:t>#The half width if the third forecast (</a:t>
+            </a:r>
+            <a:r>
+              <a:rPr lang="en-US" sz="1200" dirty="0" err="1"/>
+              <a:t>Xhat</a:t>
+            </a:r>
+            <a:r>
+              <a:rPr lang="en-US" sz="1200" dirty="0"/>
+              <a:t>(3)) = </a:t>
+            </a:r>
+            <a:r>
+              <a:rPr lang="en-US" sz="1200" dirty="0">
                 <a:highlight>
                   <a:srgbClr val="FFFF00"/>
                 </a:highlight>
               </a:rPr>
-              <a:t>The half width if the third forecast (</a:t>
-            </a:r>
-            <a:r>
-              <a:rPr lang="en-US" sz="1600" dirty="0" err="1">
-                <a:highlight>
-                  <a:srgbClr val="FFFF00"/>
-                </a:highlight>
-              </a:rPr>
-              <a:t>Xhat</a:t>
-            </a:r>
-            <a:r>
-              <a:rPr lang="en-US" sz="1600" dirty="0">
-                <a:highlight>
-                  <a:srgbClr val="FFFF00"/>
-                </a:highlight>
-              </a:rPr>
-              <a:t>(3)) = 2.186733</a:t>
-            </a:r>
-          </a:p>
-          <a:p>
-            <a:r>
-              <a:rPr lang="en-US" sz="1600" dirty="0" err="1"/>
-              <a:t>fore.arma.wge</a:t>
-            </a:r>
-            <a:r>
-              <a:rPr lang="en-US" sz="1600" dirty="0"/>
-              <a:t>(live2,phi=0.306943,theta = 0.7431719, </a:t>
-            </a:r>
-            <a:r>
-              <a:rPr lang="en-US" sz="1600" dirty="0" err="1"/>
-              <a:t>n.ahead</a:t>
-            </a:r>
-            <a:r>
-              <a:rPr lang="en-US" sz="1600" dirty="0"/>
-              <a:t>=8,limits=T, </a:t>
-            </a:r>
-            <a:r>
-              <a:rPr lang="en-US" sz="1600" dirty="0" err="1"/>
-              <a:t>lastn</a:t>
-            </a:r>
-            <a:r>
-              <a:rPr lang="en-US" sz="1600" dirty="0"/>
-              <a:t> = F)</a:t>
-            </a:r>
+              <a:t>5.723868</a:t>
+            </a:r>
+          </a:p>
+          <a:p>
+            <a:r>
+              <a:rPr lang="en-US" sz="1200" dirty="0"/>
+              <a:t>half_width1 = live2$ul[3] - live2$f[3]</a:t>
+            </a:r>
+          </a:p>
+          <a:p>
+            <a:r>
+              <a:rPr lang="en-US" sz="1200" dirty="0"/>
+              <a:t>half_width2 = live2$f[3] - live2$ll[3]</a:t>
+            </a:r>
+            <a:endParaRPr lang="en-US" sz="1200" dirty="0">
+              <a:highlight>
+                <a:srgbClr val="FFFF00"/>
+              </a:highlight>
+            </a:endParaRPr>
           </a:p>
         </p:txBody>
       </p:sp>
       <p:pic>
         <p:nvPicPr>
-          <p:cNvPr id="9" name="Picture 8">
+          <p:cNvPr id="10" name="Picture 9">
             <a:extLst>
               <a:ext uri="{FF2B5EF4-FFF2-40B4-BE49-F238E27FC236}">
-                <a16:creationId xmlns:a16="http://schemas.microsoft.com/office/drawing/2014/main" id="{4D41126F-6C87-4F97-9D36-171E26B50F3B}"/>
+                <a16:creationId xmlns:a16="http://schemas.microsoft.com/office/drawing/2014/main" id="{BB777030-2D3D-45BC-8FBF-8163E3383907}"/>
               </a:ext>
             </a:extLst>
           </p:cNvPr>
@@ -2721,8 +2730,8 @@
         </p:blipFill>
         <p:spPr>
           <a:xfrm>
-            <a:off x="7372103" y="2533057"/>
-            <a:ext cx="1771897" cy="4248743"/>
+            <a:off x="4560191" y="4255950"/>
+            <a:ext cx="4524836" cy="2462213"/>
           </a:xfrm>
           <a:prstGeom prst="rect">
             <a:avLst/>
@@ -2964,8 +2973,8 @@
           </a:p>
         </p:txBody>
       </p:sp>
-      <mc:AlternateContent xmlns:mc="http://schemas.openxmlformats.org/markup-compatibility/2006">
-        <mc:Choice xmlns:a14="http://schemas.microsoft.com/office/drawing/2010/main" Requires="a14">
+      <mc:AlternateContent xmlns:mc="http://schemas.openxmlformats.org/markup-compatibility/2006" xmlns:a14="http://schemas.microsoft.com/office/drawing/2010/main">
+        <mc:Choice Requires="a14">
           <p:sp>
             <p:nvSpPr>
               <p:cNvPr id="13" name="TextBox 12">
@@ -3009,6 +3018,9 @@
                   <a:t>22588.56</a:t>
                 </a:r>
                 <a:endParaRPr lang="en-US" sz="1000" i="1" dirty="0">
+                  <a:highlight>
+                    <a:srgbClr val="FFFF00"/>
+                  </a:highlight>
                   <a:latin typeface="Cambria Math" panose="02040503050406030204" pitchFamily="18" charset="0"/>
                 </a:endParaRPr>
               </a:p>
@@ -3566,7 +3578,7 @@
             </p:txBody>
           </p:sp>
         </mc:Choice>
-        <mc:Fallback>
+        <mc:Fallback xmlns="">
           <p:sp>
             <p:nvSpPr>
               <p:cNvPr id="13" name="TextBox 12">
@@ -3611,8 +3623,8 @@
           </p:sp>
         </mc:Fallback>
       </mc:AlternateContent>
-      <mc:AlternateContent xmlns:mc="http://schemas.openxmlformats.org/markup-compatibility/2006">
-        <mc:Choice xmlns:a14="http://schemas.microsoft.com/office/drawing/2010/main" Requires="a14">
+      <mc:AlternateContent xmlns:mc="http://schemas.openxmlformats.org/markup-compatibility/2006" xmlns:a14="http://schemas.microsoft.com/office/drawing/2010/main">
+        <mc:Choice Requires="a14">
           <p:sp>
             <p:nvSpPr>
               <p:cNvPr id="14" name="TextBox 13">
@@ -3641,7 +3653,6 @@
               </a:bodyPr>
               <a:lstStyle/>
               <a:p>
-                <a:pPr/>
                 <a14:m>
                   <m:oMath xmlns:m="http://schemas.openxmlformats.org/officeDocument/2006/math">
                     <m:r>
@@ -3664,9 +3675,12 @@
                       <a:srgbClr val="FFFF00"/>
                     </a:highlight>
                   </a:rPr>
-                  <a:t>59990.47</a:t>
+                  <a:t>17197.77</a:t>
                 </a:r>
                 <a:endParaRPr lang="en-US" sz="1000" i="1" dirty="0">
+                  <a:highlight>
+                    <a:srgbClr val="FFFF00"/>
+                  </a:highlight>
                   <a:latin typeface="Cambria Math" panose="02040503050406030204" pitchFamily="18" charset="0"/>
                 </a:endParaRPr>
               </a:p>
@@ -3929,7 +3943,7 @@
             </p:txBody>
           </p:sp>
         </mc:Choice>
-        <mc:Fallback>
+        <mc:Fallback xmlns="">
           <p:sp>
             <p:nvSpPr>
               <p:cNvPr id="14" name="TextBox 13">
@@ -3974,8 +3988,8 @@
           </p:sp>
         </mc:Fallback>
       </mc:AlternateContent>
-      <mc:AlternateContent xmlns:mc="http://schemas.openxmlformats.org/markup-compatibility/2006">
-        <mc:Choice xmlns:a14="http://schemas.microsoft.com/office/drawing/2010/main" Requires="a14">
+      <mc:AlternateContent xmlns:mc="http://schemas.openxmlformats.org/markup-compatibility/2006" xmlns:a14="http://schemas.microsoft.com/office/drawing/2010/main">
+        <mc:Choice Requires="a14">
           <p:sp>
             <p:nvSpPr>
               <p:cNvPr id="15" name="TextBox 14">
@@ -4004,7 +4018,6 @@
               </a:bodyPr>
               <a:lstStyle/>
               <a:p>
-                <a:pPr/>
                 <a14:m>
                   <m:oMath xmlns:m="http://schemas.openxmlformats.org/officeDocument/2006/math">
                     <m:r>
@@ -4033,7 +4046,7 @@
                       <a:srgbClr val="FFFF00"/>
                     </a:highlight>
                   </a:rPr>
-                  <a:t>87303.4</a:t>
+                  <a:t>18399.97</a:t>
                 </a:r>
                 <a:endParaRPr lang="en-US" sz="1000" i="1" dirty="0">
                   <a:latin typeface="Cambria Math" panose="02040503050406030204" pitchFamily="18" charset="0"/>
@@ -4209,7 +4222,7 @@
             </p:txBody>
           </p:sp>
         </mc:Choice>
-        <mc:Fallback>
+        <mc:Fallback xmlns="">
           <p:sp>
             <p:nvSpPr>
               <p:cNvPr id="15" name="TextBox 14">
@@ -4312,10 +4325,10 @@
       </p:sp>
       <p:sp>
         <p:nvSpPr>
-          <p:cNvPr id="17" name="Rectangle 16">
+          <p:cNvPr id="2" name="Rectangle 1">
             <a:extLst>
               <a:ext uri="{FF2B5EF4-FFF2-40B4-BE49-F238E27FC236}">
-                <a16:creationId xmlns:a16="http://schemas.microsoft.com/office/drawing/2014/main" id="{B2359ACC-2BE4-42DB-9C07-56B72FFB60D3}"/>
+                <a16:creationId xmlns:a16="http://schemas.microsoft.com/office/drawing/2014/main" id="{618F54D2-75C2-4289-A95E-F060A6A74E9F}"/>
               </a:ext>
             </a:extLst>
           </p:cNvPr>
@@ -4324,8 +4337,8 @@
         </p:nvSpPr>
         <p:spPr>
           <a:xfrm>
-            <a:off x="3048000" y="2323123"/>
-            <a:ext cx="6096000" cy="3477875"/>
+            <a:off x="2441046" y="3160649"/>
+            <a:ext cx="6823969" cy="3631763"/>
           </a:xfrm>
           <a:prstGeom prst="rect">
             <a:avLst/>
@@ -4339,161 +4352,109 @@
           <a:p>
             <a:r>
               <a:rPr lang="en-US" sz="1000" dirty="0"/>
-              <a:t>Amtrak = read.csv("</a:t>
-            </a:r>
-            <a:r>
-              <a:rPr lang="en-US" sz="1000" dirty="0" err="1"/>
-              <a:t>AmtrakPassengersMonthly.csv",header</a:t>
-            </a:r>
-            <a:r>
-              <a:rPr lang="en-US" sz="1000" dirty="0"/>
-              <a:t> = TRUE)</a:t>
-            </a:r>
-          </a:p>
-          <a:p>
-            <a:r>
-              <a:rPr lang="en-US" sz="1000" dirty="0"/>
-              <a:t>#Convert to a Time Series</a:t>
-            </a:r>
-          </a:p>
-          <a:p>
-            <a:r>
-              <a:rPr lang="en-US" sz="1000" dirty="0" err="1"/>
-              <a:t>AmtrakTS</a:t>
-            </a:r>
-            <a:r>
-              <a:rPr lang="en-US" sz="1000" dirty="0"/>
-              <a:t> = </a:t>
-            </a:r>
-            <a:r>
-              <a:rPr lang="en-US" sz="1000" dirty="0" err="1"/>
-              <a:t>ts</a:t>
-            </a:r>
-            <a:r>
-              <a:rPr lang="en-US" sz="1000" dirty="0"/>
-              <a:t>(</a:t>
-            </a:r>
-            <a:r>
-              <a:rPr lang="en-US" sz="1000" dirty="0" err="1"/>
-              <a:t>Amtrak$Ridership</a:t>
-            </a:r>
-            <a:r>
-              <a:rPr lang="en-US" sz="1000" dirty="0"/>
-              <a:t>)</a:t>
-            </a:r>
-          </a:p>
-          <a:p>
-            <a:r>
-              <a:rPr lang="en-US" sz="1000" dirty="0" err="1"/>
-              <a:t>plotts.wge</a:t>
-            </a:r>
-            <a:r>
-              <a:rPr lang="en-US" sz="1000" dirty="0"/>
-              <a:t>(</a:t>
-            </a:r>
-            <a:r>
-              <a:rPr lang="en-US" sz="1000" dirty="0" err="1"/>
-              <a:t>AmtrakTS</a:t>
-            </a:r>
-            <a:r>
-              <a:rPr lang="en-US" sz="1000" dirty="0"/>
-              <a:t>)</a:t>
-            </a:r>
-          </a:p>
-          <a:p>
-            <a:r>
-              <a:rPr lang="en-US" sz="1000" dirty="0" err="1"/>
-              <a:t>plotts.sample.wge</a:t>
-            </a:r>
-            <a:r>
-              <a:rPr lang="en-US" sz="1000" dirty="0"/>
-              <a:t>(</a:t>
-            </a:r>
-            <a:r>
-              <a:rPr lang="en-US" sz="1000" dirty="0" err="1"/>
-              <a:t>AmtrakTS</a:t>
-            </a:r>
-            <a:r>
-              <a:rPr lang="en-US" sz="1000" dirty="0"/>
-              <a:t>)</a:t>
-            </a:r>
-          </a:p>
-          <a:p>
-            <a:r>
-              <a:rPr lang="en-US" sz="1000" dirty="0"/>
-              <a:t>#MODEL 1:</a:t>
-            </a:r>
-          </a:p>
-          <a:p>
-            <a:r>
-              <a:rPr lang="en-US" sz="1000" dirty="0"/>
-              <a:t>M1_Amtrak = </a:t>
-            </a:r>
-            <a:r>
-              <a:rPr lang="en-US" sz="1000" dirty="0" err="1"/>
-              <a:t>fore.arma.wge</a:t>
-            </a:r>
-            <a:r>
-              <a:rPr lang="en-US" sz="1000" dirty="0"/>
-              <a:t>(</a:t>
-            </a:r>
-            <a:r>
-              <a:rPr lang="en-US" sz="1000" dirty="0" err="1"/>
-              <a:t>AmtrakTS,phi</a:t>
-            </a:r>
-            <a:r>
-              <a:rPr lang="en-US" sz="1000" dirty="0"/>
-              <a:t>=c(0.5511, 0.1680, -0.0145, 0.0651, 0.1388, -0.2966, 0.1539, 0.1270, -0.1815, 0.0364, 0.1456, 0.6287, -0.3832, -0.0199, -0.1679),</a:t>
-            </a:r>
-            <a:r>
-              <a:rPr lang="en-US" sz="1000" dirty="0" err="1"/>
-              <a:t>n.ahead</a:t>
-            </a:r>
-            <a:r>
-              <a:rPr lang="en-US" sz="1000" dirty="0"/>
-              <a:t>=12,limits=F, </a:t>
-            </a:r>
-            <a:r>
-              <a:rPr lang="en-US" sz="1000" dirty="0" err="1"/>
-              <a:t>lastn</a:t>
-            </a:r>
-            <a:r>
-              <a:rPr lang="en-US" sz="1000" dirty="0"/>
-              <a:t> = T)</a:t>
-            </a:r>
-          </a:p>
-          <a:p>
-            <a:r>
-              <a:rPr lang="en-US" sz="1000" dirty="0"/>
-              <a:t>M1_Amtrak_ASE = mean((M1_Amtrak$f-AmtrakTS[148:159])^2)</a:t>
-            </a:r>
-          </a:p>
-          <a:p>
-            <a:r>
-              <a:rPr lang="en-US" sz="1000" dirty="0"/>
-              <a:t>M1_Amtrak_ASE</a:t>
-            </a:r>
-          </a:p>
-          <a:p>
+              <a:t>#</a:t>
+            </a:r>
             <a:r>
               <a:rPr lang="en-US" sz="1000" dirty="0">
                 <a:highlight>
                   <a:srgbClr val="FFFF00"/>
                 </a:highlight>
               </a:rPr>
-              <a:t>#[1] 22588.56</a:t>
+              <a:t>MODEL 2 has the smallest ASE at 17197.77</a:t>
             </a:r>
           </a:p>
           <a:p>
             <a:r>
               <a:rPr lang="en-US" sz="1000" dirty="0"/>
-              <a:t>#MODEL 2:</a:t>
-            </a:r>
-          </a:p>
-          <a:p>
+              <a:t>Amtrak = read.csv("</a:t>
+            </a:r>
+            <a:r>
+              <a:rPr lang="en-US" sz="1000" dirty="0" err="1"/>
+              <a:t>AmtrakPassengersMonthly.csv",header</a:t>
+            </a:r>
             <a:r>
               <a:rPr lang="en-US" sz="1000" dirty="0"/>
-              <a:t>M2_Amtrak = </a:t>
+              <a:t> = TRUE)</a:t>
+            </a:r>
+          </a:p>
+          <a:p>
+            <a:r>
+              <a:rPr lang="en-US" sz="1000" dirty="0"/>
+              <a:t>#Convert to a Time Series</a:t>
+            </a:r>
+          </a:p>
+          <a:p>
+            <a:r>
+              <a:rPr lang="en-US" sz="1000" dirty="0" err="1"/>
+              <a:t>AmtrakTS</a:t>
+            </a:r>
+            <a:r>
+              <a:rPr lang="en-US" sz="1000" dirty="0"/>
+              <a:t> = </a:t>
+            </a:r>
+            <a:r>
+              <a:rPr lang="en-US" sz="1000" dirty="0" err="1"/>
+              <a:t>ts</a:t>
+            </a:r>
+            <a:r>
+              <a:rPr lang="en-US" sz="1000" dirty="0"/>
+              <a:t>(</a:t>
+            </a:r>
+            <a:r>
+              <a:rPr lang="en-US" sz="1000" dirty="0" err="1"/>
+              <a:t>Amtrak$Ridership</a:t>
+            </a:r>
+            <a:r>
+              <a:rPr lang="en-US" sz="1000" dirty="0"/>
+              <a:t>)</a:t>
+            </a:r>
+          </a:p>
+          <a:p>
+            <a:r>
+              <a:rPr lang="en-US" sz="1000" dirty="0" err="1"/>
+              <a:t>plotts.wge</a:t>
+            </a:r>
+            <a:r>
+              <a:rPr lang="en-US" sz="1000" dirty="0"/>
+              <a:t>(</a:t>
+            </a:r>
+            <a:r>
+              <a:rPr lang="en-US" sz="1000" dirty="0" err="1"/>
+              <a:t>AmtrakTS</a:t>
+            </a:r>
+            <a:r>
+              <a:rPr lang="en-US" sz="1000" dirty="0"/>
+              <a:t>)</a:t>
+            </a:r>
+          </a:p>
+          <a:p>
+            <a:r>
+              <a:rPr lang="en-US" sz="1000" dirty="0" err="1"/>
+              <a:t>plotts.sample.wge</a:t>
+            </a:r>
+            <a:r>
+              <a:rPr lang="en-US" sz="1000" dirty="0"/>
+              <a:t>(</a:t>
+            </a:r>
+            <a:r>
+              <a:rPr lang="en-US" sz="1000" dirty="0" err="1"/>
+              <a:t>AmtrakTS</a:t>
+            </a:r>
+            <a:r>
+              <a:rPr lang="en-US" sz="1000" dirty="0"/>
+              <a:t>)</a:t>
+            </a:r>
+          </a:p>
+          <a:p>
+            <a:r>
+              <a:rPr lang="en-US" sz="1000" dirty="0"/>
+              <a:t>#MODEL 1:</a:t>
+            </a:r>
+          </a:p>
+          <a:p>
+            <a:r>
+              <a:rPr lang="en-US" sz="1000" dirty="0"/>
+              <a:t>M1_Amtrak = </a:t>
             </a:r>
             <a:r>
               <a:rPr lang="en-US" sz="1000" dirty="0" err="1"/>
@@ -4509,7 +4470,7 @@
             </a:r>
             <a:r>
               <a:rPr lang="en-US" sz="1000" dirty="0"/>
-              <a:t>=c(-0.02709541,  0.74213105),theta = c(-0.5844596,  0.3836931), </a:t>
+              <a:t>=c(0.5511, 0.1680, -0.0145, 0.0651, 0.1388, -0.2966, 0.1539, 0.1270, -0.1815, 0.0364, 0.1456, 0.6287, -0.3832, -0.0199, -0.1679),</a:t>
             </a:r>
             <a:r>
               <a:rPr lang="en-US" sz="1000" dirty="0" err="1"/>
@@ -4531,39 +4492,43 @@
           <a:p>
             <a:r>
               <a:rPr lang="en-US" sz="1000" dirty="0"/>
-              <a:t>M2_Amtrak_ASE = mean((M2_Amtrak$f-AmtrakTS[148:159])^2)</a:t>
+              <a:t>M1_Amtrak_ASE = mean((M1_Amtrak$f-AmtrakTS[148:159])^2)</a:t>
             </a:r>
           </a:p>
           <a:p>
             <a:r>
               <a:rPr lang="en-US" sz="1000" dirty="0"/>
-              <a:t>M2_Amtrak_ASE</a:t>
-            </a:r>
-          </a:p>
-          <a:p>
+              <a:t>M1_Amtrak_ASE</a:t>
+            </a:r>
+          </a:p>
+          <a:p>
+            <a:r>
+              <a:rPr lang="en-US" sz="1000" dirty="0"/>
+              <a:t>#[1</a:t>
+            </a:r>
             <a:r>
               <a:rPr lang="en-US" sz="1000" dirty="0">
                 <a:highlight>
                   <a:srgbClr val="FFFF00"/>
                 </a:highlight>
               </a:rPr>
-              <a:t>#[1] 59990.47</a:t>
+              <a:t>] 22588.56</a:t>
             </a:r>
           </a:p>
           <a:p>
             <a:r>
               <a:rPr lang="en-US" sz="1000" dirty="0"/>
-              <a:t>#MODEL 3:</a:t>
+              <a:t>#MODEL 2:</a:t>
             </a:r>
           </a:p>
           <a:p>
             <a:r>
               <a:rPr lang="en-US" sz="1000" dirty="0"/>
-              <a:t>M3_Amtrak = </a:t>
+              <a:t>M2_Amtrak = </a:t>
             </a:r>
             <a:r>
               <a:rPr lang="en-US" sz="1000" dirty="0" err="1"/>
-              <a:t>fore.arma.wge</a:t>
+              <a:t>fore.aruma.wge</a:t>
             </a:r>
             <a:r>
               <a:rPr lang="en-US" sz="1000" dirty="0"/>
@@ -4575,7 +4540,7 @@
             </a:r>
             <a:r>
               <a:rPr lang="en-US" sz="1000" dirty="0"/>
-              <a:t>=0.306943,theta = 0.7431719, </a:t>
+              <a:t>=c(-0.02709541,  0.74213105),theta = c(-0.5844596,  0.3836931),s=12, </a:t>
             </a:r>
             <a:r>
               <a:rPr lang="en-US" sz="1000" dirty="0" err="1"/>
@@ -4597,23 +4562,97 @@
           <a:p>
             <a:r>
               <a:rPr lang="en-US" sz="1000" dirty="0"/>
-              <a:t>M3_Amtrak_ASE = mean((M3_Amtrak$f-AmtrakTS[148:159])^2)</a:t>
+              <a:t>M2_Amtrak_ASE = mean((M2_Amtrak$f-AmtrakTS[148:159])^2)</a:t>
             </a:r>
           </a:p>
           <a:p>
             <a:r>
               <a:rPr lang="en-US" sz="1000" dirty="0"/>
-              <a:t>M3_Amtrak_ASE</a:t>
-            </a:r>
-          </a:p>
-          <a:p>
+              <a:t>M2_Amtrak_ASE</a:t>
+            </a:r>
+          </a:p>
+          <a:p>
+            <a:r>
+              <a:rPr lang="en-US" sz="1000" dirty="0"/>
+              <a:t>#[1] </a:t>
+            </a:r>
             <a:r>
               <a:rPr lang="en-US" sz="1000" dirty="0">
                 <a:highlight>
                   <a:srgbClr val="FFFF00"/>
                 </a:highlight>
               </a:rPr>
-              <a:t>#[1] 87303.4</a:t>
+              <a:t>17197.77</a:t>
+            </a:r>
+          </a:p>
+          <a:p>
+            <a:r>
+              <a:rPr lang="en-US" sz="1000" dirty="0"/>
+              <a:t>#MODEL 3:</a:t>
+            </a:r>
+          </a:p>
+          <a:p>
+            <a:r>
+              <a:rPr lang="en-US" sz="1000" dirty="0"/>
+              <a:t>M3_Amtrak = </a:t>
+            </a:r>
+            <a:r>
+              <a:rPr lang="en-US" sz="1000" dirty="0" err="1"/>
+              <a:t>fore.aruma.wge</a:t>
+            </a:r>
+            <a:r>
+              <a:rPr lang="en-US" sz="1000" dirty="0"/>
+              <a:t>(</a:t>
+            </a:r>
+            <a:r>
+              <a:rPr lang="en-US" sz="1000" dirty="0" err="1"/>
+              <a:t>AmtrakTS,phi</a:t>
+            </a:r>
+            <a:r>
+              <a:rPr lang="en-US" sz="1000" dirty="0"/>
+              <a:t>=0.306943,theta = 0.7431719,d=1,s=12, </a:t>
+            </a:r>
+            <a:r>
+              <a:rPr lang="en-US" sz="1000" dirty="0" err="1"/>
+              <a:t>n.ahead</a:t>
+            </a:r>
+            <a:r>
+              <a:rPr lang="en-US" sz="1000" dirty="0"/>
+              <a:t>=12,limits=F, </a:t>
+            </a:r>
+            <a:r>
+              <a:rPr lang="en-US" sz="1000" dirty="0" err="1"/>
+              <a:t>lastn</a:t>
+            </a:r>
+            <a:r>
+              <a:rPr lang="en-US" sz="1000" dirty="0"/>
+              <a:t> = T)</a:t>
+            </a:r>
+          </a:p>
+          <a:p>
+            <a:r>
+              <a:rPr lang="en-US" sz="1000" dirty="0"/>
+              <a:t>M3_Amtrak_ASE = mean((M3_Amtrak$f-AmtrakTS[148:159])^2)</a:t>
+            </a:r>
+          </a:p>
+          <a:p>
+            <a:r>
+              <a:rPr lang="en-US" sz="1000" dirty="0"/>
+              <a:t>M3_Amtrak_ASE</a:t>
+            </a:r>
+          </a:p>
+          <a:p>
+            <a:r>
+              <a:rPr lang="en-US" sz="1000" dirty="0"/>
+              <a:t>#[1</a:t>
+            </a:r>
+            <a:r>
+              <a:rPr lang="en-US" sz="1000" dirty="0">
+                <a:highlight>
+                  <a:srgbClr val="FFFF00"/>
+                </a:highlight>
+              </a:rPr>
+              <a:t>] 18399.97</a:t>
             </a:r>
           </a:p>
         </p:txBody>
@@ -4744,7 +4783,7 @@
           <a:graphicData uri="http://schemas.openxmlformats.org/presentationml/2006/ole">
             <mc:AlternateContent xmlns:mc="http://schemas.openxmlformats.org/markup-compatibility/2006">
               <mc:Choice xmlns:v="urn:schemas-microsoft-com:vml" Requires="v">
-                <p:oleObj spid="_x0000_s1076" name="Equation" r:id="rId4" imgW="4368600" imgH="507960" progId="Equation.DSMT4">
+                <p:oleObj spid="_x0000_s1104" name="Equation" r:id="rId4" imgW="4368600" imgH="507960" progId="Equation.DSMT4">
                   <p:embed/>
                 </p:oleObj>
               </mc:Choice>
@@ -5140,7 +5179,7 @@
           <a:graphicData uri="http://schemas.openxmlformats.org/presentationml/2006/ole">
             <mc:AlternateContent xmlns:mc="http://schemas.openxmlformats.org/markup-compatibility/2006">
               <mc:Choice xmlns:v="urn:schemas-microsoft-com:vml" Requires="v">
-                <p:oleObj spid="_x0000_s1077" name="Equation" r:id="rId7" imgW="2933700" imgH="508000" progId="Equation.DSMT4">
+                <p:oleObj spid="_x0000_s1105" name="Equation" r:id="rId7" imgW="2933700" imgH="508000" progId="Equation.DSMT4">
                   <p:embed/>
                 </p:oleObj>
               </mc:Choice>
@@ -5218,7 +5257,7 @@
           <a:graphicData uri="http://schemas.openxmlformats.org/presentationml/2006/ole">
             <mc:AlternateContent xmlns:mc="http://schemas.openxmlformats.org/markup-compatibility/2006">
               <mc:Choice xmlns:v="urn:schemas-microsoft-com:vml" Requires="v">
-                <p:oleObj spid="_x0000_s1078" name="Equation" r:id="rId9" imgW="2755900" imgH="431800" progId="Equation.DSMT4">
+                <p:oleObj spid="_x0000_s1106" name="Equation" r:id="rId9" imgW="2755900" imgH="431800" progId="Equation.DSMT4">
                   <p:embed/>
                 </p:oleObj>
               </mc:Choice>
@@ -5442,7 +5481,7 @@
           <a:graphicData uri="http://schemas.openxmlformats.org/presentationml/2006/ole">
             <mc:AlternateContent xmlns:mc="http://schemas.openxmlformats.org/markup-compatibility/2006">
               <mc:Choice xmlns:v="urn:schemas-microsoft-com:vml" Requires="v">
-                <p:oleObj spid="_x0000_s1079" name="Equation" r:id="rId13" imgW="5943600" imgH="571500" progId="Equation.DSMT4">
+                <p:oleObj spid="_x0000_s1107" name="Equation" r:id="rId13" imgW="5943600" imgH="571500" progId="Equation.DSMT4">
                   <p:embed/>
                 </p:oleObj>
               </mc:Choice>
